--- a/ResNet-Image_Classifier_on_PYNQZ2/docs/Final_present_T8.pptx
+++ b/ResNet-Image_Classifier_on_PYNQZ2/docs/Final_present_T8.pptx
@@ -18089,7 +18089,7 @@
           <a:p>
             <a:fld id="{B5C7D3D3-43CA-4488-B0B4-7D9A8AA03A0C}" type="datetimeFigureOut">
               <a:rPr lang="zh-TW" altLang="en-US" smtClean="0"/>
-              <a:t>2023/1/3</a:t>
+              <a:t>2023/1/4</a:t>
             </a:fld>
             <a:endParaRPr lang="zh-TW" altLang="en-US"/>
           </a:p>
@@ -18254,7 +18254,7 @@
           <a:p>
             <a:fld id="{C9BC9CD5-4BDA-4193-B98A-B1D6B83F1283}" type="datetimeFigureOut">
               <a:rPr lang="zh-TW" altLang="en-US" smtClean="0"/>
-              <a:t>2023/1/3</a:t>
+              <a:t>2023/1/4</a:t>
             </a:fld>
             <a:endParaRPr lang="zh-TW" altLang="en-US"/>
           </a:p>
@@ -34928,7 +34928,7 @@
           <p:nvPr>
             <p:extLst>
               <p:ext uri="{D42A27DB-BD31-4B8C-83A1-F6EECF244321}">
-                <p14:modId xmlns:p14="http://schemas.microsoft.com/office/powerpoint/2010/main" val="1936741598"/>
+                <p14:modId xmlns:p14="http://schemas.microsoft.com/office/powerpoint/2010/main" val="4224465759"/>
               </p:ext>
             </p:extLst>
           </p:nvPr>
@@ -34997,7 +34997,7 @@
                       <a:pPr algn="ctr"/>
                       <a:r>
                         <a:rPr lang="en-US" altLang="zh-TW" sz="1400" dirty="0"/>
-                        <a:t>ResNet8</a:t>
+                        <a:t>ResNet10</a:t>
                       </a:r>
                       <a:endParaRPr lang="zh-TW" altLang="en-US" sz="1400" dirty="0"/>
                     </a:p>
